--- a/bar_charts.pptx
+++ b/bar_charts.pptx
@@ -14,7 +14,8 @@
     <p:sldId id="263" r:id="rId8"/>
     <p:sldId id="264" r:id="rId9"/>
     <p:sldId id="265" r:id="rId10"/>
-    <p:sldId id="256" r:id="rId11"/>
+    <p:sldId id="266" r:id="rId11"/>
+    <p:sldId id="256" r:id="rId12"/>
   </p:sldIdLst>
   <p:sldSz cx="12192000" cy="6858000"/>
   <p:notesSz cx="6858000" cy="9144000"/>
@@ -113,6 +114,11 @@
       </a:defRPr>
     </a:lvl9pPr>
   </p:defaultTextStyle>
+  <p:extLst>
+    <p:ext uri="{EFAFB233-063F-42B5-8137-9DF3F51BA10A}">
+      <p15:sldGuideLst xmlns:p15="http://schemas.microsoft.com/office/powerpoint/2012/main"/>
+    </p:ext>
+  </p:extLst>
 </p:presentation>
 </file>
 
@@ -3332,10 +3338,10 @@
       </p:grpSpPr>
       <p:pic>
         <p:nvPicPr>
-          <p:cNvPr id="4" name="Picture 3">
-            <a:extLst>
-              <a:ext uri="{FF2B5EF4-FFF2-40B4-BE49-F238E27FC236}">
-                <a16:creationId xmlns:a16="http://schemas.microsoft.com/office/drawing/2014/main" id="{1A21BF84-65C5-C84C-B232-43C1D0B70F95}"/>
+          <p:cNvPr id="2" name="Picture 1">
+            <a:extLst>
+              <a:ext uri="{FF2B5EF4-FFF2-40B4-BE49-F238E27FC236}">
+                <a16:creationId xmlns:a16="http://schemas.microsoft.com/office/drawing/2014/main" id="{7A2EF919-37A5-0E41-8D04-6D935C690CCF}"/>
               </a:ext>
             </a:extLst>
           </p:cNvPr>
@@ -3352,8 +3358,8 @@
         </p:blipFill>
         <p:spPr>
           <a:xfrm>
-            <a:off x="1962150" y="2051050"/>
-            <a:ext cx="8267700" cy="2755900"/>
+            <a:off x="606425" y="1604772"/>
+            <a:ext cx="10979150" cy="3648456"/>
           </a:xfrm>
           <a:prstGeom prst="rect">
             <a:avLst/>
@@ -3390,6 +3396,66 @@
           <a:chExt cx="0" cy="0"/>
         </a:xfrm>
       </p:grpSpPr>
+      <p:pic>
+        <p:nvPicPr>
+          <p:cNvPr id="2" name="Picture 1">
+            <a:extLst>
+              <a:ext uri="{FF2B5EF4-FFF2-40B4-BE49-F238E27FC236}">
+                <a16:creationId xmlns:a16="http://schemas.microsoft.com/office/drawing/2014/main" id="{9F8A1815-9691-EA4F-A909-21EFC2BC02F0}"/>
+              </a:ext>
+            </a:extLst>
+          </p:cNvPr>
+          <p:cNvPicPr>
+            <a:picLocks noChangeAspect="1"/>
+          </p:cNvPicPr>
+          <p:nvPr/>
+        </p:nvPicPr>
+        <p:blipFill>
+          <a:blip r:embed="rId2"/>
+          <a:stretch>
+            <a:fillRect/>
+          </a:stretch>
+        </p:blipFill>
+        <p:spPr>
+          <a:xfrm>
+            <a:off x="2476500" y="1371600"/>
+            <a:ext cx="7239000" cy="4114800"/>
+          </a:xfrm>
+          <a:prstGeom prst="rect">
+            <a:avLst/>
+          </a:prstGeom>
+        </p:spPr>
+      </p:pic>
+    </p:spTree>
+    <p:extLst>
+      <p:ext uri="{BB962C8B-B14F-4D97-AF65-F5344CB8AC3E}">
+        <p14:creationId xmlns:p14="http://schemas.microsoft.com/office/powerpoint/2010/main" val="2427784500"/>
+      </p:ext>
+    </p:extLst>
+  </p:cSld>
+  <p:clrMapOvr>
+    <a:masterClrMapping/>
+  </p:clrMapOvr>
+</p:sld>
+</file>
+
+<file path=ppt/slides/slide11.xml><?xml version="1.0" encoding="utf-8"?>
+<p:sld xmlns:a="http://schemas.openxmlformats.org/drawingml/2006/main" xmlns:r="http://schemas.openxmlformats.org/officeDocument/2006/relationships" xmlns:p="http://schemas.openxmlformats.org/presentationml/2006/main">
+  <p:cSld>
+    <p:spTree>
+      <p:nvGrpSpPr>
+        <p:cNvPr id="1" name=""/>
+        <p:cNvGrpSpPr/>
+        <p:nvPr/>
+      </p:nvGrpSpPr>
+      <p:grpSpPr>
+        <a:xfrm>
+          <a:off x="0" y="0"/>
+          <a:ext cx="0" cy="0"/>
+          <a:chOff x="0" y="0"/>
+          <a:chExt cx="0" cy="0"/>
+        </a:xfrm>
+      </p:grpSpPr>
       <p:sp>
         <p:nvSpPr>
           <p:cNvPr id="2" name="Title 1">
@@ -3478,10 +3544,10 @@
       </p:grpSpPr>
       <p:pic>
         <p:nvPicPr>
-          <p:cNvPr id="2" name="Picture 1">
-            <a:extLst>
-              <a:ext uri="{FF2B5EF4-FFF2-40B4-BE49-F238E27FC236}">
-                <a16:creationId xmlns:a16="http://schemas.microsoft.com/office/drawing/2014/main" id="{2073F527-AB4F-624D-B432-52DDA33455FA}"/>
+          <p:cNvPr id="3" name="Picture 2">
+            <a:extLst>
+              <a:ext uri="{FF2B5EF4-FFF2-40B4-BE49-F238E27FC236}">
+                <a16:creationId xmlns:a16="http://schemas.microsoft.com/office/drawing/2014/main" id="{4F677FC3-EF75-FC40-813B-2907B6E1AFA8}"/>
               </a:ext>
             </a:extLst>
           </p:cNvPr>
@@ -3498,8 +3564,8 @@
         </p:blipFill>
         <p:spPr>
           <a:xfrm>
-            <a:off x="1949450" y="2051050"/>
-            <a:ext cx="8293100" cy="2755900"/>
+            <a:off x="589534" y="1604772"/>
+            <a:ext cx="11012932" cy="3648456"/>
           </a:xfrm>
           <a:prstGeom prst="rect">
             <a:avLst/>
@@ -3538,10 +3604,10 @@
       </p:grpSpPr>
       <p:pic>
         <p:nvPicPr>
-          <p:cNvPr id="2" name="Picture 1">
-            <a:extLst>
-              <a:ext uri="{FF2B5EF4-FFF2-40B4-BE49-F238E27FC236}">
-                <a16:creationId xmlns:a16="http://schemas.microsoft.com/office/drawing/2014/main" id="{C0428322-4EB9-9A49-A276-F2ACFBD165BA}"/>
+          <p:cNvPr id="3" name="Picture 2">
+            <a:extLst>
+              <a:ext uri="{FF2B5EF4-FFF2-40B4-BE49-F238E27FC236}">
+                <a16:creationId xmlns:a16="http://schemas.microsoft.com/office/drawing/2014/main" id="{A0A2B748-EA8C-3A46-BD56-37F30718E5A7}"/>
               </a:ext>
             </a:extLst>
           </p:cNvPr>
@@ -3558,8 +3624,8 @@
         </p:blipFill>
         <p:spPr>
           <a:xfrm>
-            <a:off x="1955800" y="2051050"/>
-            <a:ext cx="8280400" cy="2755900"/>
+            <a:off x="597979" y="1604772"/>
+            <a:ext cx="10996041" cy="3648456"/>
           </a:xfrm>
           <a:prstGeom prst="rect">
             <a:avLst/>
@@ -3598,10 +3664,10 @@
       </p:grpSpPr>
       <p:pic>
         <p:nvPicPr>
-          <p:cNvPr id="2" name="Picture 1">
-            <a:extLst>
-              <a:ext uri="{FF2B5EF4-FFF2-40B4-BE49-F238E27FC236}">
-                <a16:creationId xmlns:a16="http://schemas.microsoft.com/office/drawing/2014/main" id="{D36AD24D-CF38-5B43-8185-639906B8A81E}"/>
+          <p:cNvPr id="3" name="Picture 2">
+            <a:extLst>
+              <a:ext uri="{FF2B5EF4-FFF2-40B4-BE49-F238E27FC236}">
+                <a16:creationId xmlns:a16="http://schemas.microsoft.com/office/drawing/2014/main" id="{95E2CB64-4E3A-C247-A681-438F1487EA26}"/>
               </a:ext>
             </a:extLst>
           </p:cNvPr>
@@ -3618,8 +3684,8 @@
         </p:blipFill>
         <p:spPr>
           <a:xfrm>
-            <a:off x="1955800" y="2051050"/>
-            <a:ext cx="8280400" cy="2755900"/>
+            <a:off x="597979" y="1604772"/>
+            <a:ext cx="10996041" cy="3648456"/>
           </a:xfrm>
           <a:prstGeom prst="rect">
             <a:avLst/>
@@ -3658,10 +3724,10 @@
       </p:grpSpPr>
       <p:pic>
         <p:nvPicPr>
-          <p:cNvPr id="2" name="Picture 1">
-            <a:extLst>
-              <a:ext uri="{FF2B5EF4-FFF2-40B4-BE49-F238E27FC236}">
-                <a16:creationId xmlns:a16="http://schemas.microsoft.com/office/drawing/2014/main" id="{A5C0E001-EDD4-6B43-9F19-15FB73588DE1}"/>
+          <p:cNvPr id="3" name="Picture 2">
+            <a:extLst>
+              <a:ext uri="{FF2B5EF4-FFF2-40B4-BE49-F238E27FC236}">
+                <a16:creationId xmlns:a16="http://schemas.microsoft.com/office/drawing/2014/main" id="{3A280904-736F-5447-84F7-132ABED25A00}"/>
               </a:ext>
             </a:extLst>
           </p:cNvPr>
@@ -3678,8 +3744,8 @@
         </p:blipFill>
         <p:spPr>
           <a:xfrm>
-            <a:off x="1955800" y="2051050"/>
-            <a:ext cx="8280400" cy="2755900"/>
+            <a:off x="597979" y="1604772"/>
+            <a:ext cx="10996041" cy="3648456"/>
           </a:xfrm>
           <a:prstGeom prst="rect">
             <a:avLst/>
@@ -3718,10 +3784,10 @@
       </p:grpSpPr>
       <p:pic>
         <p:nvPicPr>
-          <p:cNvPr id="2" name="Picture 1">
-            <a:extLst>
-              <a:ext uri="{FF2B5EF4-FFF2-40B4-BE49-F238E27FC236}">
-                <a16:creationId xmlns:a16="http://schemas.microsoft.com/office/drawing/2014/main" id="{05D528E6-0819-434F-9630-96A91F9CCAC9}"/>
+          <p:cNvPr id="3" name="Picture 2">
+            <a:extLst>
+              <a:ext uri="{FF2B5EF4-FFF2-40B4-BE49-F238E27FC236}">
+                <a16:creationId xmlns:a16="http://schemas.microsoft.com/office/drawing/2014/main" id="{A9D54EC3-0424-6942-8CD0-E49E721E51F8}"/>
               </a:ext>
             </a:extLst>
           </p:cNvPr>
@@ -3738,8 +3804,8 @@
         </p:blipFill>
         <p:spPr>
           <a:xfrm>
-            <a:off x="1962150" y="2051050"/>
-            <a:ext cx="8267700" cy="2755900"/>
+            <a:off x="606425" y="1604772"/>
+            <a:ext cx="10979150" cy="3648456"/>
           </a:xfrm>
           <a:prstGeom prst="rect">
             <a:avLst/>
@@ -3778,10 +3844,10 @@
       </p:grpSpPr>
       <p:pic>
         <p:nvPicPr>
-          <p:cNvPr id="2" name="Picture 1">
-            <a:extLst>
-              <a:ext uri="{FF2B5EF4-FFF2-40B4-BE49-F238E27FC236}">
-                <a16:creationId xmlns:a16="http://schemas.microsoft.com/office/drawing/2014/main" id="{E7562382-E979-0443-A9B9-FF93F79A4AC5}"/>
+          <p:cNvPr id="3" name="Picture 2">
+            <a:extLst>
+              <a:ext uri="{FF2B5EF4-FFF2-40B4-BE49-F238E27FC236}">
+                <a16:creationId xmlns:a16="http://schemas.microsoft.com/office/drawing/2014/main" id="{064607CD-1665-7241-ABB7-00785A0A3EBB}"/>
               </a:ext>
             </a:extLst>
           </p:cNvPr>
@@ -3798,8 +3864,8 @@
         </p:blipFill>
         <p:spPr>
           <a:xfrm>
-            <a:off x="1955800" y="2051050"/>
-            <a:ext cx="8280400" cy="2755900"/>
+            <a:off x="597979" y="1604772"/>
+            <a:ext cx="10996041" cy="3648456"/>
           </a:xfrm>
           <a:prstGeom prst="rect">
             <a:avLst/>
@@ -3838,10 +3904,10 @@
       </p:grpSpPr>
       <p:pic>
         <p:nvPicPr>
-          <p:cNvPr id="2" name="Picture 1">
-            <a:extLst>
-              <a:ext uri="{FF2B5EF4-FFF2-40B4-BE49-F238E27FC236}">
-                <a16:creationId xmlns:a16="http://schemas.microsoft.com/office/drawing/2014/main" id="{4459C069-E9FE-7A4C-BC6C-604FA515299E}"/>
+          <p:cNvPr id="3" name="Picture 2">
+            <a:extLst>
+              <a:ext uri="{FF2B5EF4-FFF2-40B4-BE49-F238E27FC236}">
+                <a16:creationId xmlns:a16="http://schemas.microsoft.com/office/drawing/2014/main" id="{CB9A8E9E-BD5E-8B47-8055-05BA91C20E98}"/>
               </a:ext>
             </a:extLst>
           </p:cNvPr>
@@ -3858,8 +3924,8 @@
         </p:blipFill>
         <p:spPr>
           <a:xfrm>
-            <a:off x="1955800" y="2051050"/>
-            <a:ext cx="8280400" cy="2755900"/>
+            <a:off x="597979" y="1604772"/>
+            <a:ext cx="10996041" cy="3648456"/>
           </a:xfrm>
           <a:prstGeom prst="rect">
             <a:avLst/>
@@ -3898,10 +3964,10 @@
       </p:grpSpPr>
       <p:pic>
         <p:nvPicPr>
-          <p:cNvPr id="2" name="Picture 1">
-            <a:extLst>
-              <a:ext uri="{FF2B5EF4-FFF2-40B4-BE49-F238E27FC236}">
-                <a16:creationId xmlns:a16="http://schemas.microsoft.com/office/drawing/2014/main" id="{A3482066-09F8-E14C-A1E0-F1053D1B1E74}"/>
+          <p:cNvPr id="3" name="Picture 2">
+            <a:extLst>
+              <a:ext uri="{FF2B5EF4-FFF2-40B4-BE49-F238E27FC236}">
+                <a16:creationId xmlns:a16="http://schemas.microsoft.com/office/drawing/2014/main" id="{DA0F779B-CCC1-1C4E-A005-CC42D439F44D}"/>
               </a:ext>
             </a:extLst>
           </p:cNvPr>
@@ -3918,8 +3984,8 @@
         </p:blipFill>
         <p:spPr>
           <a:xfrm>
-            <a:off x="1962150" y="2051050"/>
-            <a:ext cx="8267700" cy="2755900"/>
+            <a:off x="606425" y="1604772"/>
+            <a:ext cx="10979150" cy="3648456"/>
           </a:xfrm>
           <a:prstGeom prst="rect">
             <a:avLst/>
